--- a/Pizzeria bemutato [Gyovai Denisz, Nagy Marcell].pptx
+++ b/Pizzeria bemutato [Gyovai Denisz, Nagy Marcell].pptx
@@ -110,6 +110,11 @@
       </a:defRPr>
     </a:lvl9pPr>
   </p:defaultTextStyle>
+  <p:extLst>
+    <p:ext uri="{EFAFB233-063F-42B5-8137-9DF3F51BA10A}">
+      <p15:sldGuideLst xmlns:p15="http://schemas.microsoft.com/office/powerpoint/2012/main"/>
+    </p:ext>
+  </p:extLst>
 </p:presentation>
 </file>
 
@@ -16206,6 +16211,147 @@
           </a:p>
         </p:txBody>
       </p:sp>
+      <p:pic>
+        <p:nvPicPr>
+          <p:cNvPr id="1036" name="Picture 12" descr="Money Clipart Images - Free Download on Freepik">
+            <a:extLst>
+              <a:ext uri="{FF2B5EF4-FFF2-40B4-BE49-F238E27FC236}">
+                <a16:creationId xmlns:a16="http://schemas.microsoft.com/office/drawing/2014/main" id="{AC78F4C1-71F5-4077-8B48-6AFA676DC42C}"/>
+              </a:ext>
+            </a:extLst>
+          </p:cNvPr>
+          <p:cNvPicPr>
+            <a:picLocks noChangeAspect="1" noChangeArrowheads="1"/>
+          </p:cNvPicPr>
+          <p:nvPr/>
+        </p:nvPicPr>
+        <p:blipFill>
+          <a:blip r:embed="rId2">
+            <a:extLst>
+              <a:ext uri="{28A0092B-C50C-407E-A947-70E740481C1C}">
+                <a14:useLocalDpi xmlns:a14="http://schemas.microsoft.com/office/drawing/2010/main" val="0"/>
+              </a:ext>
+            </a:extLst>
+          </a:blip>
+          <a:srcRect/>
+          <a:stretch>
+            <a:fillRect/>
+          </a:stretch>
+        </p:blipFill>
+        <p:spPr bwMode="auto">
+          <a:xfrm>
+            <a:off x="6248400" y="4391025"/>
+            <a:ext cx="2613302" cy="1741024"/>
+          </a:xfrm>
+          <a:prstGeom prst="rect">
+            <a:avLst/>
+          </a:prstGeom>
+          <a:noFill/>
+          <a:extLst>
+            <a:ext uri="{909E8E84-426E-40DD-AFC4-6F175D3DCCD1}">
+              <a14:hiddenFill xmlns:a14="http://schemas.microsoft.com/office/drawing/2010/main">
+                <a:solidFill>
+                  <a:srgbClr val="FFFFFF"/>
+                </a:solidFill>
+              </a14:hiddenFill>
+            </a:ext>
+          </a:extLst>
+        </p:spPr>
+      </p:pic>
+      <p:pic>
+        <p:nvPicPr>
+          <p:cNvPr id="1038" name="Picture 14" descr="Page 2 | Beginner Coder Images - Free Download on Freepik">
+            <a:extLst>
+              <a:ext uri="{FF2B5EF4-FFF2-40B4-BE49-F238E27FC236}">
+                <a16:creationId xmlns:a16="http://schemas.microsoft.com/office/drawing/2014/main" id="{CCBD82B8-AC44-4BEF-B119-411653963F8E}"/>
+              </a:ext>
+            </a:extLst>
+          </p:cNvPr>
+          <p:cNvPicPr>
+            <a:picLocks noChangeAspect="1" noChangeArrowheads="1"/>
+          </p:cNvPicPr>
+          <p:nvPr/>
+        </p:nvPicPr>
+        <p:blipFill>
+          <a:blip r:embed="rId3">
+            <a:extLst>
+              <a:ext uri="{28A0092B-C50C-407E-A947-70E740481C1C}">
+                <a14:useLocalDpi xmlns:a14="http://schemas.microsoft.com/office/drawing/2010/main" val="0"/>
+              </a:ext>
+            </a:extLst>
+          </a:blip>
+          <a:srcRect/>
+          <a:stretch>
+            <a:fillRect/>
+          </a:stretch>
+        </p:blipFill>
+        <p:spPr bwMode="auto">
+          <a:xfrm>
+            <a:off x="7334249" y="1704756"/>
+            <a:ext cx="2447925" cy="2447925"/>
+          </a:xfrm>
+          <a:prstGeom prst="rect">
+            <a:avLst/>
+          </a:prstGeom>
+          <a:noFill/>
+          <a:extLst>
+            <a:ext uri="{909E8E84-426E-40DD-AFC4-6F175D3DCCD1}">
+              <a14:hiddenFill xmlns:a14="http://schemas.microsoft.com/office/drawing/2010/main">
+                <a:solidFill>
+                  <a:srgbClr val="FFFFFF"/>
+                </a:solidFill>
+              </a14:hiddenFill>
+            </a:ext>
+          </a:extLst>
+        </p:spPr>
+      </p:pic>
+      <p:pic>
+        <p:nvPicPr>
+          <p:cNvPr id="1040" name="Picture 16" descr="Pizza vector illustration art. Graphic design (1036160)">
+            <a:extLst>
+              <a:ext uri="{FF2B5EF4-FFF2-40B4-BE49-F238E27FC236}">
+                <a16:creationId xmlns:a16="http://schemas.microsoft.com/office/drawing/2014/main" id="{EAA2D2FF-8983-462B-9221-BE3DF077FE8C}"/>
+              </a:ext>
+            </a:extLst>
+          </p:cNvPr>
+          <p:cNvPicPr>
+            <a:picLocks noChangeAspect="1" noChangeArrowheads="1"/>
+          </p:cNvPicPr>
+          <p:nvPr/>
+        </p:nvPicPr>
+        <p:blipFill>
+          <a:blip r:embed="rId4">
+            <a:extLst>
+              <a:ext uri="{28A0092B-C50C-407E-A947-70E740481C1C}">
+                <a14:useLocalDpi xmlns:a14="http://schemas.microsoft.com/office/drawing/2010/main" val="0"/>
+              </a:ext>
+            </a:extLst>
+          </a:blip>
+          <a:srcRect/>
+          <a:stretch>
+            <a:fillRect/>
+          </a:stretch>
+        </p:blipFill>
+        <p:spPr bwMode="auto">
+          <a:xfrm>
+            <a:off x="9072891" y="4052643"/>
+            <a:ext cx="3119109" cy="2079406"/>
+          </a:xfrm>
+          <a:prstGeom prst="rect">
+            <a:avLst/>
+          </a:prstGeom>
+          <a:noFill/>
+          <a:extLst>
+            <a:ext uri="{909E8E84-426E-40DD-AFC4-6F175D3DCCD1}">
+              <a14:hiddenFill xmlns:a14="http://schemas.microsoft.com/office/drawing/2010/main">
+                <a:solidFill>
+                  <a:srgbClr val="FFFFFF"/>
+                </a:solidFill>
+              </a14:hiddenFill>
+            </a:ext>
+          </a:extLst>
+        </p:spPr>
+      </p:pic>
     </p:spTree>
     <p:extLst>
       <p:ext uri="{BB962C8B-B14F-4D97-AF65-F5344CB8AC3E}">
@@ -16377,16 +16523,10 @@
               <a:t> </a:t>
             </a:r>
             <a:r>
-              <a:rPr lang="hu-HU" sz="2000" dirty="0" err="1">
+              <a:rPr lang="hu-HU" sz="2200" dirty="0">
                 <a:sym typeface="Wingdings" panose="05000000000000000000" pitchFamily="2" charset="2"/>
               </a:rPr>
-              <a:t>reszponzivitás</a:t>
-            </a:r>
-            <a:r>
-              <a:rPr lang="hu-HU" sz="2000" dirty="0">
-                <a:sym typeface="Wingdings" panose="05000000000000000000" pitchFamily="2" charset="2"/>
-              </a:rPr>
-              <a:t> (láthatóság)</a:t>
+              <a:t>láthatóság állíthatósága</a:t>
             </a:r>
           </a:p>
           <a:p>
@@ -16540,6 +16680,96 @@
           </a:p>
         </p:txBody>
       </p:sp>
+      <p:pic>
+        <p:nvPicPr>
+          <p:cNvPr id="7" name="Kép 6">
+            <a:extLst>
+              <a:ext uri="{FF2B5EF4-FFF2-40B4-BE49-F238E27FC236}">
+                <a16:creationId xmlns:a16="http://schemas.microsoft.com/office/drawing/2014/main" id="{21C25628-BFDF-4050-8B2F-9183B83A7621}"/>
+              </a:ext>
+            </a:extLst>
+          </p:cNvPr>
+          <p:cNvPicPr>
+            <a:picLocks noChangeAspect="1"/>
+          </p:cNvPicPr>
+          <p:nvPr/>
+        </p:nvPicPr>
+        <p:blipFill>
+          <a:blip r:embed="rId3"/>
+          <a:stretch>
+            <a:fillRect/>
+          </a:stretch>
+        </p:blipFill>
+        <p:spPr>
+          <a:xfrm>
+            <a:off x="7619999" y="3201872"/>
+            <a:ext cx="2257425" cy="3285191"/>
+          </a:xfrm>
+          <a:prstGeom prst="rect">
+            <a:avLst/>
+          </a:prstGeom>
+        </p:spPr>
+      </p:pic>
+      <p:pic>
+        <p:nvPicPr>
+          <p:cNvPr id="8" name="Kép 7">
+            <a:extLst>
+              <a:ext uri="{FF2B5EF4-FFF2-40B4-BE49-F238E27FC236}">
+                <a16:creationId xmlns:a16="http://schemas.microsoft.com/office/drawing/2014/main" id="{9AC9DA3A-0EE3-4198-91E2-AABA0AE6FD27}"/>
+              </a:ext>
+            </a:extLst>
+          </p:cNvPr>
+          <p:cNvPicPr>
+            <a:picLocks noChangeAspect="1"/>
+          </p:cNvPicPr>
+          <p:nvPr/>
+        </p:nvPicPr>
+        <p:blipFill>
+          <a:blip r:embed="rId4"/>
+          <a:stretch>
+            <a:fillRect/>
+          </a:stretch>
+        </p:blipFill>
+        <p:spPr>
+          <a:xfrm>
+            <a:off x="0" y="0"/>
+            <a:ext cx="12192000" cy="1048152"/>
+          </a:xfrm>
+          <a:prstGeom prst="rect">
+            <a:avLst/>
+          </a:prstGeom>
+        </p:spPr>
+      </p:pic>
+      <p:pic>
+        <p:nvPicPr>
+          <p:cNvPr id="9" name="Kép 8">
+            <a:extLst>
+              <a:ext uri="{FF2B5EF4-FFF2-40B4-BE49-F238E27FC236}">
+                <a16:creationId xmlns:a16="http://schemas.microsoft.com/office/drawing/2014/main" id="{7DB1856E-AF31-4F15-AA89-DB374CC847C0}"/>
+              </a:ext>
+            </a:extLst>
+          </p:cNvPr>
+          <p:cNvPicPr>
+            <a:picLocks noChangeAspect="1"/>
+          </p:cNvPicPr>
+          <p:nvPr/>
+        </p:nvPicPr>
+        <p:blipFill>
+          <a:blip r:embed="rId5"/>
+          <a:stretch>
+            <a:fillRect/>
+          </a:stretch>
+        </p:blipFill>
+        <p:spPr>
+          <a:xfrm>
+            <a:off x="7619999" y="1059697"/>
+            <a:ext cx="3582532" cy="2045987"/>
+          </a:xfrm>
+          <a:prstGeom prst="rect">
+            <a:avLst/>
+          </a:prstGeom>
+        </p:spPr>
+      </p:pic>
     </p:spTree>
     <p:extLst>
       <p:ext uri="{BB962C8B-B14F-4D97-AF65-F5344CB8AC3E}">
@@ -16616,7 +16846,7 @@
         </p:nvSpPr>
         <p:spPr>
           <a:xfrm>
-            <a:off x="691079" y="2567613"/>
+            <a:off x="0" y="2567613"/>
             <a:ext cx="10325000" cy="3564436"/>
           </a:xfrm>
         </p:spPr>
@@ -16694,6 +16924,96 @@
           </a:p>
         </p:txBody>
       </p:sp>
+      <p:pic>
+        <p:nvPicPr>
+          <p:cNvPr id="5" name="Kép 4">
+            <a:extLst>
+              <a:ext uri="{FF2B5EF4-FFF2-40B4-BE49-F238E27FC236}">
+                <a16:creationId xmlns:a16="http://schemas.microsoft.com/office/drawing/2014/main" id="{BB3281F2-B33A-4BFD-B6A1-E9BC05061C6D}"/>
+              </a:ext>
+            </a:extLst>
+          </p:cNvPr>
+          <p:cNvPicPr>
+            <a:picLocks noChangeAspect="1"/>
+          </p:cNvPicPr>
+          <p:nvPr/>
+        </p:nvPicPr>
+        <p:blipFill>
+          <a:blip r:embed="rId2"/>
+          <a:stretch>
+            <a:fillRect/>
+          </a:stretch>
+        </p:blipFill>
+        <p:spPr>
+          <a:xfrm>
+            <a:off x="8496045" y="445056"/>
+            <a:ext cx="3157275" cy="3190335"/>
+          </a:xfrm>
+          <a:prstGeom prst="rect">
+            <a:avLst/>
+          </a:prstGeom>
+        </p:spPr>
+      </p:pic>
+      <p:pic>
+        <p:nvPicPr>
+          <p:cNvPr id="6" name="Kép 5">
+            <a:extLst>
+              <a:ext uri="{FF2B5EF4-FFF2-40B4-BE49-F238E27FC236}">
+                <a16:creationId xmlns:a16="http://schemas.microsoft.com/office/drawing/2014/main" id="{CB638F08-3A83-49E3-AE80-D14391A26858}"/>
+              </a:ext>
+            </a:extLst>
+          </p:cNvPr>
+          <p:cNvPicPr>
+            <a:picLocks noChangeAspect="1"/>
+          </p:cNvPicPr>
+          <p:nvPr/>
+        </p:nvPicPr>
+        <p:blipFill>
+          <a:blip r:embed="rId3"/>
+          <a:stretch>
+            <a:fillRect/>
+          </a:stretch>
+        </p:blipFill>
+        <p:spPr>
+          <a:xfrm>
+            <a:off x="7186444" y="4233734"/>
+            <a:ext cx="4191585" cy="1057423"/>
+          </a:xfrm>
+          <a:prstGeom prst="rect">
+            <a:avLst/>
+          </a:prstGeom>
+        </p:spPr>
+      </p:pic>
+      <p:pic>
+        <p:nvPicPr>
+          <p:cNvPr id="7" name="Kép 6">
+            <a:extLst>
+              <a:ext uri="{FF2B5EF4-FFF2-40B4-BE49-F238E27FC236}">
+                <a16:creationId xmlns:a16="http://schemas.microsoft.com/office/drawing/2014/main" id="{FED8BD59-DB65-444A-B96C-46FCCFEA822B}"/>
+              </a:ext>
+            </a:extLst>
+          </p:cNvPr>
+          <p:cNvPicPr>
+            <a:picLocks noChangeAspect="1"/>
+          </p:cNvPicPr>
+          <p:nvPr/>
+        </p:nvPicPr>
+        <p:blipFill>
+          <a:blip r:embed="rId4"/>
+          <a:stretch>
+            <a:fillRect/>
+          </a:stretch>
+        </p:blipFill>
+        <p:spPr>
+          <a:xfrm>
+            <a:off x="7186444" y="5291157"/>
+            <a:ext cx="4248743" cy="1057423"/>
+          </a:xfrm>
+          <a:prstGeom prst="rect">
+            <a:avLst/>
+          </a:prstGeom>
+        </p:spPr>
+      </p:pic>
     </p:spTree>
     <p:extLst>
       <p:ext uri="{BB962C8B-B14F-4D97-AF65-F5344CB8AC3E}">
@@ -16810,7 +17130,10 @@
               <a:rPr lang="hu-HU" dirty="0" err="1"/>
               <a:t>reszponzivitás</a:t>
             </a:r>
-            <a:endParaRPr lang="hu-HU" dirty="0"/>
+            <a:r>
+              <a:rPr lang="hu-HU" dirty="0"/>
+              <a:t>(méretváltásnál árucikkek)</a:t>
+            </a:r>
           </a:p>
           <a:p>
             <a:endParaRPr lang="hu-HU" dirty="0"/>
@@ -16838,6 +17161,147 @@
           </a:p>
         </p:txBody>
       </p:sp>
+      <p:pic>
+        <p:nvPicPr>
+          <p:cNvPr id="3074" name="Picture 2" descr="HTML - Wikipedia">
+            <a:extLst>
+              <a:ext uri="{FF2B5EF4-FFF2-40B4-BE49-F238E27FC236}">
+                <a16:creationId xmlns:a16="http://schemas.microsoft.com/office/drawing/2014/main" id="{9B55AE48-53BA-458E-BDC9-CC9AC2ECD4E9}"/>
+              </a:ext>
+            </a:extLst>
+          </p:cNvPr>
+          <p:cNvPicPr>
+            <a:picLocks noChangeAspect="1" noChangeArrowheads="1"/>
+          </p:cNvPicPr>
+          <p:nvPr/>
+        </p:nvPicPr>
+        <p:blipFill>
+          <a:blip r:embed="rId2">
+            <a:extLst>
+              <a:ext uri="{28A0092B-C50C-407E-A947-70E740481C1C}">
+                <a14:useLocalDpi xmlns:a14="http://schemas.microsoft.com/office/drawing/2010/main" val="0"/>
+              </a:ext>
+            </a:extLst>
+          </a:blip>
+          <a:srcRect/>
+          <a:stretch>
+            <a:fillRect/>
+          </a:stretch>
+        </p:blipFill>
+        <p:spPr bwMode="auto">
+          <a:xfrm>
+            <a:off x="5767388" y="623888"/>
+            <a:ext cx="2143125" cy="2143125"/>
+          </a:xfrm>
+          <a:prstGeom prst="rect">
+            <a:avLst/>
+          </a:prstGeom>
+          <a:noFill/>
+          <a:extLst>
+            <a:ext uri="{909E8E84-426E-40DD-AFC4-6F175D3DCCD1}">
+              <a14:hiddenFill xmlns:a14="http://schemas.microsoft.com/office/drawing/2010/main">
+                <a:solidFill>
+                  <a:srgbClr val="FFFFFF"/>
+                </a:solidFill>
+              </a14:hiddenFill>
+            </a:ext>
+          </a:extLst>
+        </p:spPr>
+      </p:pic>
+      <p:pic>
+        <p:nvPicPr>
+          <p:cNvPr id="3076" name="Picture 4" descr="File:Bootstrap logo.svg - Wikimedia Commons">
+            <a:extLst>
+              <a:ext uri="{FF2B5EF4-FFF2-40B4-BE49-F238E27FC236}">
+                <a16:creationId xmlns:a16="http://schemas.microsoft.com/office/drawing/2014/main" id="{862562DA-34DE-4A66-AFB2-0BC74FED5CB9}"/>
+              </a:ext>
+            </a:extLst>
+          </p:cNvPr>
+          <p:cNvPicPr>
+            <a:picLocks noChangeAspect="1" noChangeArrowheads="1"/>
+          </p:cNvPicPr>
+          <p:nvPr/>
+        </p:nvPicPr>
+        <p:blipFill>
+          <a:blip r:embed="rId3">
+            <a:extLst>
+              <a:ext uri="{28A0092B-C50C-407E-A947-70E740481C1C}">
+                <a14:useLocalDpi xmlns:a14="http://schemas.microsoft.com/office/drawing/2010/main" val="0"/>
+              </a:ext>
+            </a:extLst>
+          </a:blip>
+          <a:srcRect/>
+          <a:stretch>
+            <a:fillRect/>
+          </a:stretch>
+        </p:blipFill>
+        <p:spPr bwMode="auto">
+          <a:xfrm>
+            <a:off x="8547027" y="1406063"/>
+            <a:ext cx="2469052" cy="1967590"/>
+          </a:xfrm>
+          <a:prstGeom prst="rect">
+            <a:avLst/>
+          </a:prstGeom>
+          <a:noFill/>
+          <a:extLst>
+            <a:ext uri="{909E8E84-426E-40DD-AFC4-6F175D3DCCD1}">
+              <a14:hiddenFill xmlns:a14="http://schemas.microsoft.com/office/drawing/2010/main">
+                <a:solidFill>
+                  <a:srgbClr val="FFFFFF"/>
+                </a:solidFill>
+              </a14:hiddenFill>
+            </a:ext>
+          </a:extLst>
+        </p:spPr>
+      </p:pic>
+      <p:pic>
+        <p:nvPicPr>
+          <p:cNvPr id="3080" name="Picture 8" descr="File:JavaScript-logo.png - Wikipedia">
+            <a:extLst>
+              <a:ext uri="{FF2B5EF4-FFF2-40B4-BE49-F238E27FC236}">
+                <a16:creationId xmlns:a16="http://schemas.microsoft.com/office/drawing/2014/main" id="{3EA976DC-F127-4475-B26C-05D58D72EAD3}"/>
+              </a:ext>
+            </a:extLst>
+          </p:cNvPr>
+          <p:cNvPicPr>
+            <a:picLocks noChangeAspect="1" noChangeArrowheads="1"/>
+          </p:cNvPicPr>
+          <p:nvPr/>
+        </p:nvPicPr>
+        <p:blipFill>
+          <a:blip r:embed="rId4">
+            <a:extLst>
+              <a:ext uri="{28A0092B-C50C-407E-A947-70E740481C1C}">
+                <a14:useLocalDpi xmlns:a14="http://schemas.microsoft.com/office/drawing/2010/main" val="0"/>
+              </a:ext>
+            </a:extLst>
+          </a:blip>
+          <a:srcRect/>
+          <a:stretch>
+            <a:fillRect/>
+          </a:stretch>
+        </p:blipFill>
+        <p:spPr bwMode="auto">
+          <a:xfrm>
+            <a:off x="7910513" y="4053765"/>
+            <a:ext cx="2409825" cy="2409825"/>
+          </a:xfrm>
+          <a:prstGeom prst="rect">
+            <a:avLst/>
+          </a:prstGeom>
+          <a:noFill/>
+          <a:extLst>
+            <a:ext uri="{909E8E84-426E-40DD-AFC4-6F175D3DCCD1}">
+              <a14:hiddenFill xmlns:a14="http://schemas.microsoft.com/office/drawing/2010/main">
+                <a:solidFill>
+                  <a:srgbClr val="FFFFFF"/>
+                </a:solidFill>
+              </a14:hiddenFill>
+            </a:ext>
+          </a:extLst>
+        </p:spPr>
+      </p:pic>
     </p:spTree>
     <p:extLst>
       <p:ext uri="{BB962C8B-B14F-4D97-AF65-F5344CB8AC3E}">
@@ -16942,6 +17406,53 @@
           </a:p>
         </p:txBody>
       </p:sp>
+      <p:pic>
+        <p:nvPicPr>
+          <p:cNvPr id="4098" name="Picture 2" descr="Download Check Mark, Tick Mark, Check. Royalty-Free Vector Graphic - Pixabay">
+            <a:extLst>
+              <a:ext uri="{FF2B5EF4-FFF2-40B4-BE49-F238E27FC236}">
+                <a16:creationId xmlns:a16="http://schemas.microsoft.com/office/drawing/2014/main" id="{EE3A0A52-BA03-44A7-99D7-3669DF171EBB}"/>
+              </a:ext>
+            </a:extLst>
+          </p:cNvPr>
+          <p:cNvPicPr>
+            <a:picLocks noChangeAspect="1" noChangeArrowheads="1"/>
+          </p:cNvPicPr>
+          <p:nvPr/>
+        </p:nvPicPr>
+        <p:blipFill>
+          <a:blip r:embed="rId2">
+            <a:extLst>
+              <a:ext uri="{28A0092B-C50C-407E-A947-70E740481C1C}">
+                <a14:useLocalDpi xmlns:a14="http://schemas.microsoft.com/office/drawing/2010/main" val="0"/>
+              </a:ext>
+            </a:extLst>
+          </a:blip>
+          <a:srcRect/>
+          <a:stretch>
+            <a:fillRect/>
+          </a:stretch>
+        </p:blipFill>
+        <p:spPr bwMode="auto">
+          <a:xfrm>
+            <a:off x="6096000" y="466724"/>
+            <a:ext cx="5640350" cy="5534025"/>
+          </a:xfrm>
+          <a:prstGeom prst="rect">
+            <a:avLst/>
+          </a:prstGeom>
+          <a:noFill/>
+          <a:extLst>
+            <a:ext uri="{909E8E84-426E-40DD-AFC4-6F175D3DCCD1}">
+              <a14:hiddenFill xmlns:a14="http://schemas.microsoft.com/office/drawing/2010/main">
+                <a:solidFill>
+                  <a:srgbClr val="FFFFFF"/>
+                </a:solidFill>
+              </a14:hiddenFill>
+            </a:ext>
+          </a:extLst>
+        </p:spPr>
+      </p:pic>
     </p:spTree>
     <p:extLst>
       <p:ext uri="{BB962C8B-B14F-4D97-AF65-F5344CB8AC3E}">
@@ -18882,38 +19393,6 @@
               <a:rPr lang="hu-HU" dirty="0"/>
               <a:t>Köszönjük a figyelmet!</a:t>
             </a:r>
-          </a:p>
-        </p:txBody>
-      </p:sp>
-      <p:sp>
-        <p:nvSpPr>
-          <p:cNvPr id="3" name="Alcím 2">
-            <a:extLst>
-              <a:ext uri="{FF2B5EF4-FFF2-40B4-BE49-F238E27FC236}">
-                <a16:creationId xmlns:a16="http://schemas.microsoft.com/office/drawing/2014/main" id="{03B44133-BEC7-2777-37CE-F2CE3DA0C460}"/>
-              </a:ext>
-            </a:extLst>
-          </p:cNvPr>
-          <p:cNvSpPr>
-            <a:spLocks noGrp="1"/>
-          </p:cNvSpPr>
-          <p:nvPr>
-            <p:ph type="subTitle" idx="1"/>
-          </p:nvPr>
-        </p:nvSpPr>
-        <p:spPr>
-          <a:xfrm>
-            <a:off x="691078" y="3428997"/>
-            <a:ext cx="3930417" cy="2306639"/>
-          </a:xfrm>
-        </p:spPr>
-        <p:txBody>
-          <a:bodyPr>
-            <a:normAutofit/>
-          </a:bodyPr>
-          <a:lstStyle/>
-          <a:p>
-            <a:endParaRPr lang="hu-HU"/>
           </a:p>
         </p:txBody>
       </p:sp>
